--- a/GoogleEarth/Google Earth Initiative.pptx
+++ b/GoogleEarth/Google Earth Initiative.pptx
@@ -9,9 +9,10 @@
     <p:sldId id="261" r:id="rId6"/>
     <p:sldId id="262" r:id="rId7"/>
     <p:sldId id="266" r:id="rId8"/>
-    <p:sldId id="263" r:id="rId9"/>
-    <p:sldId id="264" r:id="rId10"/>
-    <p:sldId id="265" r:id="rId11"/>
+    <p:sldId id="267" r:id="rId9"/>
+    <p:sldId id="263" r:id="rId10"/>
+    <p:sldId id="264" r:id="rId11"/>
+    <p:sldId id="265" r:id="rId12"/>
   </p:sldIdLst>
   <p:sldSz cx="9144000" cy="6858000" type="screen4x3"/>
   <p:notesSz cx="6858000" cy="9296400"/>
@@ -3933,13 +3934,8 @@
             </a:pPr>
             <a:r>
               <a:rPr lang="en-US" dirty="0" smtClean="0"/>
-              <a:t>Initiative task to investigate Goog</a:t>
-            </a:r>
-            <a:r>
-              <a:rPr lang="en-US" dirty="0" smtClean="0"/>
-              <a:t>le Earth</a:t>
-            </a:r>
-            <a:endParaRPr lang="en-US" dirty="0" smtClean="0"/>
+              <a:t>Initiative task to investigate Google Earth</a:t>
+            </a:r>
           </a:p>
           <a:p>
             <a:pPr>
@@ -3948,11 +3944,7 @@
             </a:pPr>
             <a:r>
               <a:rPr lang="en-US" dirty="0" smtClean="0"/>
-              <a:t>Standalone </a:t>
-            </a:r>
-            <a:r>
-              <a:rPr lang="en-US" dirty="0" smtClean="0"/>
-              <a:t>application versus browser plug-in</a:t>
+              <a:t>Standalone application versus browser plug-in</a:t>
             </a:r>
           </a:p>
           <a:p>
@@ -4002,7 +3994,7 @@
             </a:pPr>
             <a:r>
               <a:rPr lang="en-US" dirty="0" smtClean="0"/>
-              <a:t>Plug-in supports</a:t>
+              <a:t>Support for</a:t>
             </a:r>
           </a:p>
           <a:p>
@@ -4032,11 +4024,7 @@
             </a:pPr>
             <a:r>
               <a:rPr lang="en-US" dirty="0" smtClean="0"/>
-              <a:t>Requires Internet connection for </a:t>
-            </a:r>
-            <a:r>
-              <a:rPr lang="en-US" dirty="0" smtClean="0"/>
-              <a:t>API</a:t>
+              <a:t>Requires Internet connection for API</a:t>
             </a:r>
           </a:p>
           <a:p>
@@ -4068,7 +4056,6 @@
               <a:rPr lang="en-US" dirty="0" smtClean="0"/>
               <a:t>MSE Initiative used the free version</a:t>
             </a:r>
-            <a:endParaRPr lang="en-US" dirty="0" smtClean="0"/>
           </a:p>
         </p:txBody>
       </p:sp>
@@ -4250,12 +4237,12 @@
         <p:spPr/>
         <p:txBody>
           <a:bodyPr>
-            <a:normAutofit fontScale="85000" lnSpcReduction="20000"/>
+            <a:normAutofit fontScale="62500" lnSpcReduction="20000"/>
           </a:bodyPr>
           <a:lstStyle/>
           <a:p>
             <a:r>
-              <a:rPr lang="en-US" dirty="0" smtClean="0"/>
+              <a:rPr lang="en-US" sz="2900" b="1" dirty="0" smtClean="0"/>
               <a:t>Pros</a:t>
             </a:r>
           </a:p>
@@ -4278,7 +4265,6 @@
               <a:rPr lang="en-US" dirty="0" smtClean="0"/>
               <a:t>Robust API</a:t>
             </a:r>
-            <a:endParaRPr lang="en-US" dirty="0" smtClean="0"/>
           </a:p>
           <a:p>
             <a:pPr>
@@ -4336,11 +4322,7 @@
             </a:pPr>
             <a:r>
               <a:rPr lang="en-US" dirty="0" smtClean="0"/>
-              <a:t>GeoCoding</a:t>
-            </a:r>
-            <a:r>
-              <a:rPr lang="en-US" dirty="0" smtClean="0"/>
-              <a:t> locations, driving directions, etc.</a:t>
+              <a:t>GeoCoding locations, driving directions, etc.</a:t>
             </a:r>
           </a:p>
           <a:p>
@@ -4352,12 +4334,25 @@
               <a:rPr lang="en-US" dirty="0" smtClean="0"/>
               <a:t>KML support in API</a:t>
             </a:r>
+          </a:p>
+          <a:p>
+            <a:pPr>
+              <a:buFont typeface="Arial"/>
+              <a:buChar char="•"/>
+            </a:pPr>
+            <a:r>
+              <a:rPr lang="en-US" dirty="0" smtClean="0"/>
+              <a:t>Useful as offline planning tool</a:t>
+            </a:r>
+          </a:p>
+          <a:p>
+            <a:pPr marL="0" indent="0"/>
             <a:endParaRPr lang="en-US" dirty="0"/>
           </a:p>
           <a:p>
             <a:pPr marL="0" indent="0"/>
             <a:r>
-              <a:rPr lang="en-US" dirty="0" smtClean="0"/>
+              <a:rPr lang="en-US" sz="2900" b="1" dirty="0" smtClean="0"/>
               <a:t>Cons</a:t>
             </a:r>
           </a:p>
@@ -4372,6 +4367,16 @@
             </a:r>
           </a:p>
           <a:p>
+            <a:pPr lvl="1">
+              <a:buFont typeface="Arial"/>
+              <a:buChar char="•"/>
+            </a:pPr>
+            <a:r>
+              <a:rPr lang="en-US" dirty="0" smtClean="0"/>
+              <a:t>No mobile support (iOS, Android)</a:t>
+            </a:r>
+          </a:p>
+          <a:p>
             <a:pPr>
               <a:buFont typeface="Arial"/>
               <a:buChar char="•"/>
@@ -4382,6 +4387,20 @@
             </a:r>
           </a:p>
           <a:p>
+            <a:pPr lvl="1">
+              <a:buFont typeface="Arial"/>
+              <a:buChar char="•"/>
+            </a:pPr>
+            <a:r>
+              <a:rPr lang="en-US" dirty="0" smtClean="0"/>
+              <a:t>API functionality, map </a:t>
+            </a:r>
+            <a:r>
+              <a:rPr lang="en-US" dirty="0" smtClean="0"/>
+              <a:t>tiles, external KML data</a:t>
+            </a:r>
+          </a:p>
+          <a:p>
             <a:pPr>
               <a:buFont typeface="Arial"/>
               <a:buChar char="•"/>
@@ -4408,8 +4427,13 @@
             </a:pPr>
             <a:r>
               <a:rPr lang="en-US" dirty="0" smtClean="0"/>
-              <a:t>Free version has transaction limits</a:t>
-            </a:r>
+              <a:t>Free version has transaction </a:t>
+            </a:r>
+            <a:r>
+              <a:rPr lang="en-US" dirty="0" smtClean="0"/>
+              <a:t>limits for certain functionality (e.g. geocoding)</a:t>
+            </a:r>
+            <a:endParaRPr lang="en-US" dirty="0" smtClean="0"/>
           </a:p>
           <a:p>
             <a:pPr>
@@ -4418,8 +4442,31 @@
             </a:pPr>
             <a:r>
               <a:rPr lang="en-US" dirty="0" smtClean="0"/>
-              <a:t>Google Earth Pro costs license $400/year</a:t>
-            </a:r>
+              <a:t>Google Earth Pro </a:t>
+            </a:r>
+            <a:r>
+              <a:rPr lang="en-US" dirty="0" smtClean="0"/>
+              <a:t>license </a:t>
+            </a:r>
+            <a:r>
+              <a:rPr lang="en-US" dirty="0" smtClean="0"/>
+              <a:t>$400/</a:t>
+            </a:r>
+            <a:r>
+              <a:rPr lang="en-US" dirty="0" smtClean="0"/>
+              <a:t>year</a:t>
+            </a:r>
+          </a:p>
+          <a:p>
+            <a:pPr lvl="1">
+              <a:buFont typeface="Arial"/>
+              <a:buChar char="•"/>
+            </a:pPr>
+            <a:r>
+              <a:rPr lang="en-US" dirty="0" smtClean="0"/>
+              <a:t>Less transaction limits</a:t>
+            </a:r>
+            <a:endParaRPr lang="en-US" dirty="0" smtClean="0"/>
           </a:p>
           <a:p>
             <a:pPr>
@@ -4685,7 +4732,7 @@
         </p:nvSpPr>
         <p:spPr>
           <a:xfrm>
-            <a:off x="990600" y="2590800"/>
+            <a:off x="1371600" y="2590800"/>
             <a:ext cx="990600" cy="914400"/>
           </a:xfrm>
           <a:prstGeom prst="rect">
@@ -4723,7 +4770,7 @@
         </p:nvSpPr>
         <p:spPr>
           <a:xfrm>
-            <a:off x="457200" y="2057400"/>
+            <a:off x="824885" y="2057400"/>
             <a:ext cx="2185214" cy="369332"/>
           </a:xfrm>
           <a:prstGeom prst="rect">
@@ -4752,7 +4799,7 @@
         </p:nvSpPr>
         <p:spPr>
           <a:xfrm>
-            <a:off x="3733800" y="2590800"/>
+            <a:off x="4101485" y="2590800"/>
             <a:ext cx="990600" cy="914400"/>
           </a:xfrm>
           <a:prstGeom prst="rect">
@@ -4794,7 +4841,7 @@
         </p:nvSpPr>
         <p:spPr>
           <a:xfrm>
-            <a:off x="3277771" y="2057400"/>
+            <a:off x="3645456" y="2057400"/>
             <a:ext cx="1980029" cy="369332"/>
           </a:xfrm>
           <a:prstGeom prst="rect">
@@ -4823,7 +4870,7 @@
         </p:nvSpPr>
         <p:spPr>
           <a:xfrm>
-            <a:off x="1981200" y="2807732"/>
+            <a:off x="2348885" y="2807732"/>
             <a:ext cx="1752600" cy="484632"/>
           </a:xfrm>
           <a:prstGeom prst="leftRightArrow">
@@ -4861,8 +4908,8 @@
         </p:nvSpPr>
         <p:spPr>
           <a:xfrm>
-            <a:off x="2514600" y="3341132"/>
-            <a:ext cx="584002" cy="369332"/>
+            <a:off x="2590800" y="3341132"/>
+            <a:ext cx="1154658" cy="369332"/>
           </a:xfrm>
           <a:prstGeom prst="rect">
             <a:avLst/>
@@ -4877,7 +4924,7 @@
           <a:p>
             <a:r>
               <a:rPr lang="en-US" dirty="0" smtClean="0"/>
-              <a:t>Ajax</a:t>
+              <a:t>Ajax/JSON</a:t>
             </a:r>
           </a:p>
         </p:txBody>
@@ -4890,7 +4937,7 @@
         </p:nvSpPr>
         <p:spPr>
           <a:xfrm>
-            <a:off x="6477000" y="2426732"/>
+            <a:off x="6844685" y="2426732"/>
             <a:ext cx="914400" cy="1295400"/>
           </a:xfrm>
           <a:prstGeom prst="flowChartMagneticDisk">
@@ -4928,7 +4975,7 @@
         </p:nvSpPr>
         <p:spPr>
           <a:xfrm>
-            <a:off x="6553200" y="1905000"/>
+            <a:off x="6920885" y="1905000"/>
             <a:ext cx="851515" cy="369332"/>
           </a:xfrm>
           <a:prstGeom prst="rect">
@@ -4957,7 +5004,7 @@
         </p:nvSpPr>
         <p:spPr>
           <a:xfrm>
-            <a:off x="4724400" y="2807732"/>
+            <a:off x="5092085" y="2807732"/>
             <a:ext cx="1752600" cy="484632"/>
           </a:xfrm>
           <a:prstGeom prst="leftRightArrow">
@@ -4995,8 +5042,8 @@
         </p:nvSpPr>
         <p:spPr>
           <a:xfrm>
-            <a:off x="5359598" y="3352800"/>
-            <a:ext cx="569387" cy="369332"/>
+            <a:off x="5415561" y="3352800"/>
+            <a:ext cx="1137639" cy="369332"/>
           </a:xfrm>
           <a:prstGeom prst="rect">
             <a:avLst/>
@@ -5011,8 +5058,9 @@
           <a:p>
             <a:r>
               <a:rPr lang="en-US" dirty="0" smtClean="0"/>
-              <a:t>PHP</a:t>
-            </a:r>
+              <a:t>PHP/JSON</a:t>
+            </a:r>
+            <a:endParaRPr lang="en-US" dirty="0" smtClean="0"/>
           </a:p>
         </p:txBody>
       </p:sp>
@@ -5067,7 +5115,7 @@
         </p:blipFill>
         <p:spPr>
           <a:xfrm>
-            <a:off x="990600" y="2579132"/>
+            <a:off x="1358285" y="2579132"/>
             <a:ext cx="990600" cy="914400"/>
           </a:xfrm>
           <a:prstGeom prst="rect">
@@ -5114,7 +5162,7 @@
       </p:grpSpPr>
       <p:sp>
         <p:nvSpPr>
-          <p:cNvPr id="30" name="Title 29"/>
+          <p:cNvPr id="2" name="Title 1"/>
           <p:cNvSpPr>
             <a:spLocks noGrp="1"/>
           </p:cNvSpPr>
@@ -5129,7 +5177,11 @@
           <a:p>
             <a:r>
               <a:rPr lang="en-US" dirty="0" smtClean="0"/>
-              <a:t>Features explored under MSE Initiative</a:t>
+              <a:t>Prototype </a:t>
+            </a:r>
+            <a:r>
+              <a:rPr lang="en-US" dirty="0" smtClean="0"/>
+              <a:t>Code</a:t>
             </a:r>
             <a:endParaRPr lang="en-US" dirty="0"/>
           </a:p>
@@ -5137,7 +5189,7 @@
       </p:sp>
       <p:sp>
         <p:nvSpPr>
-          <p:cNvPr id="31" name="Content Placeholder 30"/>
+          <p:cNvPr id="18" name="Content Placeholder 30"/>
           <p:cNvSpPr>
             <a:spLocks noGrp="1"/>
           </p:cNvSpPr>
@@ -5145,27 +5197,25 @@
             <p:ph idx="1"/>
           </p:nvPr>
         </p:nvSpPr>
-        <p:spPr/>
+        <p:spPr>
+          <a:xfrm>
+            <a:off x="457200" y="1295400"/>
+            <a:ext cx="8229600" cy="4953000"/>
+          </a:xfrm>
+        </p:spPr>
         <p:txBody>
           <a:bodyPr>
-            <a:normAutofit fontScale="92500" lnSpcReduction="10000"/>
+            <a:normAutofit/>
           </a:bodyPr>
           <a:lstStyle/>
           <a:p>
-            <a:pPr marL="0" indent="0"/>
-            <a:r>
-              <a:rPr lang="en-US" dirty="0" smtClean="0"/>
-              <a:t>View Control</a:t>
-            </a:r>
-          </a:p>
-          <a:p>
             <a:pPr>
               <a:buFont typeface="Arial"/>
               <a:buChar char="•"/>
             </a:pPr>
             <a:r>
               <a:rPr lang="en-US" dirty="0" smtClean="0"/>
-              <a:t>Offset view</a:t>
+              <a:t>Code</a:t>
             </a:r>
           </a:p>
           <a:p>
@@ -5175,7 +5225,43 @@
             </a:pPr>
             <a:r>
               <a:rPr lang="en-US" dirty="0" smtClean="0"/>
-              <a:t>Locations (name, address, position), tracks</a:t>
+              <a:t>52 html files</a:t>
+            </a:r>
+          </a:p>
+          <a:p>
+            <a:pPr lvl="1">
+              <a:buFont typeface="Arial"/>
+              <a:buChar char="•"/>
+            </a:pPr>
+            <a:r>
+              <a:rPr lang="en-US" dirty="0" smtClean="0"/>
+              <a:t>39 </a:t>
+            </a:r>
+            <a:r>
+              <a:rPr lang="en-US" dirty="0" smtClean="0"/>
+              <a:t>php</a:t>
+            </a:r>
+            <a:r>
+              <a:rPr lang="en-US" dirty="0" smtClean="0"/>
+              <a:t> files</a:t>
+            </a:r>
+          </a:p>
+          <a:p>
+            <a:pPr lvl="1">
+              <a:buFont typeface="Arial"/>
+              <a:buChar char="•"/>
+            </a:pPr>
+            <a:r>
+              <a:rPr lang="en-US" dirty="0" smtClean="0"/>
+              <a:t>4 </a:t>
+            </a:r>
+            <a:r>
+              <a:rPr lang="en-US" dirty="0" smtClean="0"/>
+              <a:t>css</a:t>
+            </a:r>
+            <a:r>
+              <a:rPr lang="en-US" dirty="0" smtClean="0"/>
+              <a:t> files</a:t>
             </a:r>
           </a:p>
           <a:p>
@@ -5185,228 +5271,57 @@
             </a:pPr>
             <a:r>
               <a:rPr lang="en-US" dirty="0" smtClean="0"/>
-              <a:t>Range in/out</a:t>
-            </a:r>
+              <a:t>All code saved to </a:t>
+            </a:r>
+            <a:r>
+              <a:rPr lang="en-US" dirty="0"/>
+              <a:t>https://</a:t>
+            </a:r>
+            <a:r>
+              <a:rPr lang="en-US" dirty="0"/>
+              <a:t>github.com</a:t>
+            </a:r>
+            <a:r>
+              <a:rPr lang="en-US" dirty="0"/>
+              <a:t>/</a:t>
+            </a:r>
+            <a:r>
+              <a:rPr lang="en-US" dirty="0"/>
+              <a:t>MissionSE</a:t>
+            </a:r>
+            <a:r>
+              <a:rPr lang="en-US" dirty="0"/>
+              <a:t>/Initiatives</a:t>
+            </a:r>
+            <a:endParaRPr lang="en-US" dirty="0" smtClean="0"/>
           </a:p>
           <a:p>
             <a:pPr>
               <a:buFont typeface="Arial"/>
               <a:buChar char="•"/>
             </a:pPr>
-            <a:r>
-              <a:rPr lang="en-US" dirty="0" smtClean="0"/>
-              <a:t>Camera tilt</a:t>
-            </a:r>
-          </a:p>
-          <a:p>
-            <a:pPr marL="0" indent="0"/>
-            <a:r>
-              <a:rPr lang="en-US" dirty="0" smtClean="0"/>
-              <a:t>Google Earth built-in features</a:t>
-            </a:r>
+            <a:endParaRPr lang="en-US" dirty="0" smtClean="0"/>
           </a:p>
           <a:p>
             <a:pPr>
               <a:buFont typeface="Arial"/>
               <a:buChar char="•"/>
             </a:pPr>
-            <a:r>
-              <a:rPr lang="en-US" dirty="0" smtClean="0"/>
-              <a:t>Sunlight/night coverage</a:t>
-            </a:r>
+            <a:endParaRPr lang="en-US" dirty="0" smtClean="0"/>
           </a:p>
           <a:p>
             <a:pPr>
               <a:buFont typeface="Arial"/>
               <a:buChar char="•"/>
             </a:pPr>
-            <a:r>
-              <a:rPr lang="en-US" dirty="0" smtClean="0"/>
-              <a:t>Inset Map</a:t>
-            </a:r>
-          </a:p>
-          <a:p>
-            <a:pPr>
-              <a:buFont typeface="Arial"/>
-              <a:buChar char="•"/>
-            </a:pPr>
-            <a:r>
-              <a:rPr lang="en-US" dirty="0" smtClean="0"/>
-              <a:t>Roads, borders, buildings, terrain, atmosphere</a:t>
-            </a:r>
-          </a:p>
-          <a:p>
-            <a:pPr>
-              <a:buFont typeface="Arial"/>
-              <a:buChar char="•"/>
-            </a:pPr>
-            <a:r>
-              <a:rPr lang="en-US" dirty="0" smtClean="0"/>
-              <a:t>Earth/Sky map</a:t>
-            </a:r>
-          </a:p>
-          <a:p>
-            <a:pPr>
-              <a:buFont typeface="Arial"/>
-              <a:buChar char="•"/>
-            </a:pPr>
-            <a:r>
-              <a:rPr lang="en-US" dirty="0" smtClean="0"/>
-              <a:t>Lat</a:t>
-            </a:r>
-            <a:r>
-              <a:rPr lang="en-US" dirty="0" smtClean="0"/>
-              <a:t>/Lon grid</a:t>
-            </a:r>
-          </a:p>
-          <a:p>
-            <a:pPr>
-              <a:buFont typeface="Arial"/>
-              <a:buChar char="•"/>
-            </a:pPr>
-            <a:r>
-              <a:rPr lang="en-US" dirty="0" smtClean="0"/>
-              <a:t>Display of KML information</a:t>
-            </a:r>
-          </a:p>
-          <a:p>
-            <a:pPr lvl="1">
-              <a:buFont typeface="Arial"/>
-              <a:buChar char="•"/>
-            </a:pPr>
-            <a:r>
-              <a:rPr lang="en-US" dirty="0" smtClean="0"/>
-              <a:t>Downloaded KML files for many features</a:t>
-            </a:r>
             <a:endParaRPr lang="en-US" dirty="0" smtClean="0"/>
-          </a:p>
-          <a:p>
-            <a:pPr marL="0" indent="0"/>
-            <a:endParaRPr lang="en-US" dirty="0" smtClean="0"/>
-          </a:p>
-          <a:p>
-            <a:pPr>
-              <a:buFont typeface="Arial"/>
-              <a:buChar char="•"/>
-            </a:pPr>
-            <a:endParaRPr lang="en-US" dirty="0"/>
-          </a:p>
-        </p:txBody>
-      </p:sp>
-      <p:sp>
-        <p:nvSpPr>
-          <p:cNvPr id="6" name="Footer Placeholder 4"/>
-          <p:cNvSpPr>
-            <a:spLocks noGrp="1"/>
-          </p:cNvSpPr>
-          <p:nvPr>
-            <p:ph type="ftr" sz="quarter" idx="3"/>
-          </p:nvPr>
-        </p:nvSpPr>
-        <p:spPr>
-          <a:prstGeom prst="rect">
-            <a:avLst/>
-          </a:prstGeom>
-        </p:spPr>
-        <p:txBody>
-          <a:bodyPr/>
-          <a:lstStyle>
-            <a:lvl1pPr>
-              <a:defRPr sz="800">
-                <a:solidFill>
-                  <a:schemeClr val="bg1"/>
-                </a:solidFill>
-              </a:defRPr>
-            </a:lvl1pPr>
-          </a:lstStyle>
-          <a:p>
-            <a:r>
-              <a:rPr lang="en-US" dirty="0" smtClean="0"/>
-              <a:t>ASRC Federal Proprietary </a:t>
-            </a:r>
-            <a:endParaRPr lang="en-US" dirty="0"/>
-          </a:p>
-        </p:txBody>
-      </p:sp>
-      <p:sp>
-        <p:nvSpPr>
-          <p:cNvPr id="7" name="Slide Number Placeholder 5"/>
-          <p:cNvSpPr>
-            <a:spLocks noGrp="1"/>
-          </p:cNvSpPr>
-          <p:nvPr>
-            <p:ph type="sldNum" sz="quarter" idx="4"/>
-          </p:nvPr>
-        </p:nvSpPr>
-        <p:spPr>
-          <a:prstGeom prst="rect">
-            <a:avLst/>
-          </a:prstGeom>
-        </p:spPr>
-        <p:txBody>
-          <a:bodyPr/>
-          <a:lstStyle>
-            <a:lvl1pPr algn="r">
-              <a:defRPr sz="800">
-                <a:solidFill>
-                  <a:schemeClr val="bg1"/>
-                </a:solidFill>
-              </a:defRPr>
-            </a:lvl1pPr>
-          </a:lstStyle>
-          <a:p>
-            <a:fld id="{FA208228-D976-49C2-9EFF-6CF8326E3D0F}" type="slidenum">
-              <a:rPr lang="en-US" smtClean="0"/>
-              <a:pPr/>
-              <a:t>5</a:t>
-            </a:fld>
-            <a:endParaRPr lang="en-US" dirty="0"/>
-          </a:p>
-        </p:txBody>
-      </p:sp>
-      <p:sp>
-        <p:nvSpPr>
-          <p:cNvPr id="8" name="Date Placeholder 3"/>
-          <p:cNvSpPr>
-            <a:spLocks noGrp="1"/>
-          </p:cNvSpPr>
-          <p:nvPr>
-            <p:ph type="dt" sz="half" idx="2"/>
-          </p:nvPr>
-        </p:nvSpPr>
-        <p:spPr>
-          <a:prstGeom prst="rect">
-            <a:avLst/>
-          </a:prstGeom>
-        </p:spPr>
-        <p:txBody>
-          <a:bodyPr/>
-          <a:lstStyle>
-            <a:lvl1pPr>
-              <a:defRPr sz="900" b="1">
-                <a:solidFill>
-                  <a:schemeClr val="bg1"/>
-                </a:solidFill>
-              </a:defRPr>
-            </a:lvl1pPr>
-          </a:lstStyle>
-          <a:p>
-            <a:r>
-              <a:rPr lang="en-US" sz="1000" dirty="0" smtClean="0">
-                <a:latin typeface="Trebuchet MS" pitchFamily="34" charset="0"/>
-              </a:rPr>
-              <a:t>Customer-Focused. Operationally Excellent.</a:t>
-            </a:r>
-            <a:endParaRPr lang="en-US" sz="1000" dirty="0">
-              <a:latin typeface="Trebuchet MS" pitchFamily="34" charset="0"/>
-            </a:endParaRPr>
           </a:p>
         </p:txBody>
       </p:sp>
     </p:spTree>
     <p:extLst>
       <p:ext uri="{BB962C8B-B14F-4D97-AF65-F5344CB8AC3E}">
-        <p14:creationId xmlns:p14="http://schemas.microsoft.com/office/powerpoint/2010/main" val="336613284"/>
+        <p14:creationId xmlns:p14="http://schemas.microsoft.com/office/powerpoint/2010/main" val="1709540078"/>
       </p:ext>
     </p:extLst>
   </p:cSld>
@@ -5456,7 +5371,7 @@
           <a:lstStyle/>
           <a:p>
             <a:r>
-              <a:rPr lang="en-US" dirty="0"/>
+              <a:rPr lang="en-US" dirty="0" smtClean="0"/>
               <a:t>Features explored under MSE Initiative</a:t>
             </a:r>
             <a:endParaRPr lang="en-US" dirty="0"/>
@@ -5475,12 +5390,30 @@
         </p:nvSpPr>
         <p:spPr/>
         <p:txBody>
-          <a:bodyPr/>
+          <a:bodyPr>
+            <a:normAutofit fontScale="85000" lnSpcReduction="20000"/>
+          </a:bodyPr>
           <a:lstStyle/>
           <a:p>
-            <a:r>
-              <a:rPr lang="en-US" dirty="0" smtClean="0"/>
-              <a:t>Custom built features</a:t>
+            <a:pPr marL="0" indent="0"/>
+            <a:r>
+              <a:rPr lang="en-US" dirty="0" smtClean="0"/>
+              <a:t>Google Earth control from browser windows</a:t>
+            </a:r>
+          </a:p>
+          <a:p>
+            <a:pPr marL="0" indent="0"/>
+            <a:endParaRPr lang="en-US" dirty="0" smtClean="0"/>
+          </a:p>
+          <a:p>
+            <a:pPr marL="0" indent="0"/>
+            <a:r>
+              <a:rPr lang="en-US" dirty="0" smtClean="0"/>
+              <a:t>View </a:t>
+            </a:r>
+            <a:r>
+              <a:rPr lang="en-US" dirty="0" smtClean="0"/>
+              <a:t>Control</a:t>
             </a:r>
           </a:p>
           <a:p>
@@ -5490,7 +5423,7 @@
             </a:pPr>
             <a:r>
               <a:rPr lang="en-US" dirty="0" smtClean="0"/>
-              <a:t>Tracks</a:t>
+              <a:t>Offset view</a:t>
             </a:r>
           </a:p>
           <a:p>
@@ -5499,16 +5432,95 @@
               <a:buChar char="•"/>
             </a:pPr>
             <a:r>
-              <a:rPr lang="en-US" dirty="0"/>
-              <a:t>Mil-</a:t>
-            </a:r>
-            <a:r>
-              <a:rPr lang="en-US" dirty="0"/>
-              <a:t>Std</a:t>
-            </a:r>
-            <a:r>
-              <a:rPr lang="en-US" dirty="0"/>
-              <a:t> 2525B track symbols</a:t>
+              <a:rPr lang="en-US" dirty="0" smtClean="0"/>
+              <a:t>Locations (name, address, position), tracks</a:t>
+            </a:r>
+          </a:p>
+          <a:p>
+            <a:pPr>
+              <a:buFont typeface="Arial"/>
+              <a:buChar char="•"/>
+            </a:pPr>
+            <a:r>
+              <a:rPr lang="en-US" dirty="0" smtClean="0"/>
+              <a:t>Range in/out</a:t>
+            </a:r>
+          </a:p>
+          <a:p>
+            <a:pPr>
+              <a:buFont typeface="Arial"/>
+              <a:buChar char="•"/>
+            </a:pPr>
+            <a:r>
+              <a:rPr lang="en-US" dirty="0" smtClean="0"/>
+              <a:t>Camera tilt</a:t>
+            </a:r>
+          </a:p>
+          <a:p>
+            <a:pPr marL="0" indent="0"/>
+            <a:r>
+              <a:rPr lang="en-US" dirty="0" smtClean="0"/>
+              <a:t>Google Earth built-in features</a:t>
+            </a:r>
+          </a:p>
+          <a:p>
+            <a:pPr>
+              <a:buFont typeface="Arial"/>
+              <a:buChar char="•"/>
+            </a:pPr>
+            <a:r>
+              <a:rPr lang="en-US" dirty="0" smtClean="0"/>
+              <a:t>Sunlight coverage</a:t>
+            </a:r>
+          </a:p>
+          <a:p>
+            <a:pPr>
+              <a:buFont typeface="Arial"/>
+              <a:buChar char="•"/>
+            </a:pPr>
+            <a:r>
+              <a:rPr lang="en-US" dirty="0" smtClean="0"/>
+              <a:t>Inset Map</a:t>
+            </a:r>
+          </a:p>
+          <a:p>
+            <a:pPr>
+              <a:buFont typeface="Arial"/>
+              <a:buChar char="•"/>
+            </a:pPr>
+            <a:r>
+              <a:rPr lang="en-US" dirty="0" smtClean="0"/>
+              <a:t>Roads, borders, buildings, terrain, atmosphere</a:t>
+            </a:r>
+          </a:p>
+          <a:p>
+            <a:pPr>
+              <a:buFont typeface="Arial"/>
+              <a:buChar char="•"/>
+            </a:pPr>
+            <a:r>
+              <a:rPr lang="en-US" dirty="0" smtClean="0"/>
+              <a:t>Earth/Sky map</a:t>
+            </a:r>
+          </a:p>
+          <a:p>
+            <a:pPr>
+              <a:buFont typeface="Arial"/>
+              <a:buChar char="•"/>
+            </a:pPr>
+            <a:r>
+              <a:rPr lang="en-US" dirty="0" smtClean="0"/>
+              <a:t>Lat/Lon grid</a:t>
+            </a:r>
+          </a:p>
+          <a:p>
+            <a:pPr>
+              <a:buFont typeface="Arial"/>
+              <a:buChar char="•"/>
+            </a:pPr>
+            <a:r>
+              <a:rPr lang="en-US" dirty="0" smtClean="0"/>
+              <a:t>Display of KML information</a:t>
             </a:r>
           </a:p>
           <a:p>
@@ -5518,83 +5530,12 @@
             </a:pPr>
             <a:r>
               <a:rPr lang="en-US" dirty="0" smtClean="0"/>
-              <a:t>Add/Modify/Delete by operator</a:t>
-            </a:r>
-          </a:p>
-          <a:p>
-            <a:pPr lvl="1">
-              <a:buFont typeface="Arial"/>
-              <a:buChar char="•"/>
-            </a:pPr>
-            <a:r>
-              <a:rPr lang="en-US" dirty="0" smtClean="0"/>
-              <a:t>Track Simulator</a:t>
-            </a:r>
-          </a:p>
-          <a:p>
-            <a:pPr lvl="1">
-              <a:buFont typeface="Arial"/>
-              <a:buChar char="•"/>
-            </a:pPr>
-            <a:r>
-              <a:rPr lang="en-US" dirty="0" smtClean="0"/>
-              <a:t>Symbol sizes</a:t>
-            </a:r>
-          </a:p>
-          <a:p>
-            <a:pPr lvl="1">
-              <a:buFont typeface="Arial"/>
-              <a:buChar char="•"/>
-            </a:pPr>
-            <a:r>
-              <a:rPr lang="en-US" dirty="0" smtClean="0"/>
-              <a:t>Track Tags</a:t>
-            </a:r>
-          </a:p>
-          <a:p>
-            <a:pPr lvl="1">
-              <a:buFont typeface="Arial"/>
-              <a:buChar char="•"/>
-            </a:pPr>
-            <a:r>
-              <a:rPr lang="en-US" dirty="0" smtClean="0"/>
-              <a:t>Track Filter (category and id)</a:t>
-            </a:r>
-          </a:p>
-          <a:p>
-            <a:pPr>
-              <a:buFont typeface="Arial"/>
-              <a:buChar char="•"/>
-            </a:pPr>
-            <a:r>
-              <a:rPr lang="en-US" dirty="0" smtClean="0"/>
-              <a:t>Weather Feed</a:t>
-            </a:r>
-          </a:p>
-          <a:p>
-            <a:pPr>
-              <a:buFont typeface="Arial"/>
-              <a:buChar char="•"/>
-            </a:pPr>
-            <a:r>
-              <a:rPr lang="en-US" dirty="0"/>
-              <a:t>Twitter </a:t>
-            </a:r>
-            <a:r>
-              <a:rPr lang="en-US" dirty="0" smtClean="0"/>
-              <a:t>integration</a:t>
-            </a:r>
+              <a:t>Downloaded KML files for many features</a:t>
+            </a:r>
+          </a:p>
+          <a:p>
+            <a:pPr marL="0" indent="0"/>
             <a:endParaRPr lang="en-US" dirty="0" smtClean="0"/>
-          </a:p>
-          <a:p>
-            <a:pPr>
-              <a:buFont typeface="Arial"/>
-              <a:buChar char="•"/>
-            </a:pPr>
-            <a:r>
-              <a:rPr lang="en-US" dirty="0"/>
-              <a:t>Range rings</a:t>
-            </a:r>
           </a:p>
           <a:p>
             <a:pPr>
@@ -5718,7 +5659,7 @@
     </p:spTree>
     <p:extLst>
       <p:ext uri="{BB962C8B-B14F-4D97-AF65-F5344CB8AC3E}">
-        <p14:creationId xmlns:p14="http://schemas.microsoft.com/office/powerpoint/2010/main" val="3235114099"/>
+        <p14:creationId xmlns:p14="http://schemas.microsoft.com/office/powerpoint/2010/main" val="336613284"/>
       </p:ext>
     </p:extLst>
   </p:cSld>
@@ -5768,6 +5709,422 @@
           <a:lstStyle/>
           <a:p>
             <a:r>
+              <a:rPr lang="en-US" dirty="0"/>
+              <a:t>Features explored under MSE Initiative</a:t>
+            </a:r>
+          </a:p>
+        </p:txBody>
+      </p:sp>
+      <p:sp>
+        <p:nvSpPr>
+          <p:cNvPr id="31" name="Content Placeholder 30"/>
+          <p:cNvSpPr>
+            <a:spLocks noGrp="1"/>
+          </p:cNvSpPr>
+          <p:nvPr>
+            <p:ph idx="1"/>
+          </p:nvPr>
+        </p:nvSpPr>
+        <p:spPr/>
+        <p:txBody>
+          <a:bodyPr>
+            <a:normAutofit fontScale="85000" lnSpcReduction="20000"/>
+          </a:bodyPr>
+          <a:lstStyle/>
+          <a:p>
+            <a:r>
+              <a:rPr lang="en-US" dirty="0" smtClean="0"/>
+              <a:t>Custom built features</a:t>
+            </a:r>
+          </a:p>
+          <a:p>
+            <a:pPr>
+              <a:buFont typeface="Arial"/>
+              <a:buChar char="•"/>
+            </a:pPr>
+            <a:r>
+              <a:rPr lang="en-US" dirty="0" smtClean="0"/>
+              <a:t>Tracks</a:t>
+            </a:r>
+          </a:p>
+          <a:p>
+            <a:pPr lvl="1">
+              <a:buFont typeface="Arial"/>
+              <a:buChar char="•"/>
+            </a:pPr>
+            <a:r>
+              <a:rPr lang="en-US" dirty="0"/>
+              <a:t>Mil-Std 2525B track </a:t>
+            </a:r>
+            <a:r>
+              <a:rPr lang="en-US" dirty="0" smtClean="0"/>
+              <a:t>symbols</a:t>
+            </a:r>
+          </a:p>
+          <a:p>
+            <a:pPr lvl="2">
+              <a:buFont typeface="Arial"/>
+              <a:buChar char="•"/>
+            </a:pPr>
+            <a:r>
+              <a:rPr lang="en-US" dirty="0" smtClean="0"/>
+              <a:t>Image files dynamically requested from </a:t>
+            </a:r>
+            <a:r>
+              <a:rPr lang="en-US" dirty="0" smtClean="0"/>
+              <a:t>website</a:t>
+            </a:r>
+          </a:p>
+          <a:p>
+            <a:pPr lvl="3">
+              <a:buFont typeface="Arial"/>
+              <a:buChar char="•"/>
+            </a:pPr>
+            <a:r>
+              <a:rPr lang="en-US" dirty="0"/>
+              <a:t>http://</a:t>
+            </a:r>
+            <a:r>
+              <a:rPr lang="en-US" dirty="0"/>
+              <a:t>dev.bridgeborn.com</a:t>
+            </a:r>
+            <a:r>
+              <a:rPr lang="en-US" dirty="0"/>
+              <a:t>/</a:t>
+            </a:r>
+            <a:r>
+              <a:rPr lang="en-US" dirty="0"/>
+              <a:t>symbology</a:t>
+            </a:r>
+            <a:endParaRPr lang="en-US" dirty="0"/>
+          </a:p>
+          <a:p>
+            <a:pPr lvl="1">
+              <a:buFont typeface="Arial"/>
+              <a:buChar char="•"/>
+            </a:pPr>
+            <a:r>
+              <a:rPr lang="en-US" dirty="0" smtClean="0"/>
+              <a:t>Add/Modify/Delete</a:t>
+            </a:r>
+          </a:p>
+          <a:p>
+            <a:pPr lvl="1">
+              <a:buFont typeface="Arial"/>
+              <a:buChar char="•"/>
+            </a:pPr>
+            <a:r>
+              <a:rPr lang="en-US" dirty="0" smtClean="0"/>
+              <a:t>Simulator</a:t>
+            </a:r>
+            <a:endParaRPr lang="en-US" dirty="0" smtClean="0"/>
+          </a:p>
+          <a:p>
+            <a:pPr lvl="1">
+              <a:buFont typeface="Arial"/>
+              <a:buChar char="•"/>
+            </a:pPr>
+            <a:r>
+              <a:rPr lang="en-US" dirty="0" smtClean="0"/>
+              <a:t>Symbol sizes</a:t>
+            </a:r>
+          </a:p>
+          <a:p>
+            <a:pPr lvl="1">
+              <a:buFont typeface="Arial"/>
+              <a:buChar char="•"/>
+            </a:pPr>
+            <a:r>
+              <a:rPr lang="en-US" dirty="0" smtClean="0"/>
+              <a:t>Tags</a:t>
+            </a:r>
+            <a:endParaRPr lang="en-US" dirty="0" smtClean="0"/>
+          </a:p>
+          <a:p>
+            <a:pPr lvl="1">
+              <a:buFont typeface="Arial"/>
+              <a:buChar char="•"/>
+            </a:pPr>
+            <a:r>
+              <a:rPr lang="en-US" dirty="0" smtClean="0"/>
+              <a:t>Filter </a:t>
+            </a:r>
+            <a:r>
+              <a:rPr lang="en-US" dirty="0" smtClean="0"/>
+              <a:t>(category and id)</a:t>
+            </a:r>
+          </a:p>
+          <a:p>
+            <a:pPr>
+              <a:buFont typeface="Arial"/>
+              <a:buChar char="•"/>
+            </a:pPr>
+            <a:r>
+              <a:rPr lang="en-US" dirty="0" smtClean="0"/>
+              <a:t>Weather Feed</a:t>
+            </a:r>
+          </a:p>
+          <a:p>
+            <a:pPr>
+              <a:buFont typeface="Arial"/>
+              <a:buChar char="•"/>
+            </a:pPr>
+            <a:r>
+              <a:rPr lang="en-US" dirty="0"/>
+              <a:t>Twitter </a:t>
+            </a:r>
+            <a:r>
+              <a:rPr lang="en-US" dirty="0" smtClean="0"/>
+              <a:t>integration</a:t>
+            </a:r>
+          </a:p>
+          <a:p>
+            <a:pPr>
+              <a:buFont typeface="Arial"/>
+              <a:buChar char="•"/>
+            </a:pPr>
+            <a:r>
+              <a:rPr lang="en-US" dirty="0"/>
+              <a:t>Range </a:t>
+            </a:r>
+            <a:r>
+              <a:rPr lang="en-US" dirty="0" smtClean="0"/>
+              <a:t>rings</a:t>
+            </a:r>
+          </a:p>
+          <a:p>
+            <a:pPr>
+              <a:buFont typeface="Arial"/>
+              <a:buChar char="•"/>
+            </a:pPr>
+            <a:r>
+              <a:rPr lang="en-US" dirty="0" smtClean="0"/>
+              <a:t>Remote control of GE</a:t>
+            </a:r>
+          </a:p>
+          <a:p>
+            <a:pPr>
+              <a:buFont typeface="Arial"/>
+              <a:buChar char="•"/>
+            </a:pPr>
+            <a:r>
+              <a:rPr lang="en-US" dirty="0" smtClean="0"/>
+              <a:t>View tour created in standalone </a:t>
+            </a:r>
+            <a:r>
+              <a:rPr lang="en-US" dirty="0" smtClean="0"/>
+              <a:t>application</a:t>
+            </a:r>
+          </a:p>
+          <a:p>
+            <a:pPr>
+              <a:buFont typeface="Arial"/>
+              <a:buChar char="•"/>
+            </a:pPr>
+            <a:r>
+              <a:rPr lang="en-US" dirty="0" smtClean="0"/>
+              <a:t>Add/Delete operator entered tours</a:t>
+            </a:r>
+          </a:p>
+          <a:p>
+            <a:pPr lvl="1">
+              <a:buFont typeface="Arial"/>
+              <a:buChar char="•"/>
+            </a:pPr>
+            <a:r>
+              <a:rPr lang="en-US" dirty="0" smtClean="0"/>
+              <a:t>Save </a:t>
+            </a:r>
+            <a:r>
+              <a:rPr lang="en-US" dirty="0" smtClean="0"/>
+              <a:t>lat</a:t>
+            </a:r>
+            <a:r>
+              <a:rPr lang="en-US" dirty="0" smtClean="0"/>
+              <a:t>/</a:t>
+            </a:r>
+            <a:r>
+              <a:rPr lang="en-US" dirty="0" smtClean="0"/>
+              <a:t>lon</a:t>
+            </a:r>
+            <a:r>
+              <a:rPr lang="en-US" dirty="0" smtClean="0"/>
+              <a:t>, range, camera tilt of selected locations for playback via KML</a:t>
+            </a:r>
+            <a:endParaRPr lang="en-US" dirty="0"/>
+          </a:p>
+          <a:p>
+            <a:pPr>
+              <a:buFont typeface="Arial"/>
+              <a:buChar char="•"/>
+            </a:pPr>
+            <a:endParaRPr lang="en-US" dirty="0"/>
+          </a:p>
+        </p:txBody>
+      </p:sp>
+      <p:sp>
+        <p:nvSpPr>
+          <p:cNvPr id="6" name="Footer Placeholder 4"/>
+          <p:cNvSpPr>
+            <a:spLocks noGrp="1"/>
+          </p:cNvSpPr>
+          <p:nvPr>
+            <p:ph type="ftr" sz="quarter" idx="3"/>
+          </p:nvPr>
+        </p:nvSpPr>
+        <p:spPr>
+          <a:prstGeom prst="rect">
+            <a:avLst/>
+          </a:prstGeom>
+        </p:spPr>
+        <p:txBody>
+          <a:bodyPr/>
+          <a:lstStyle>
+            <a:lvl1pPr>
+              <a:defRPr sz="800">
+                <a:solidFill>
+                  <a:schemeClr val="bg1"/>
+                </a:solidFill>
+              </a:defRPr>
+            </a:lvl1pPr>
+          </a:lstStyle>
+          <a:p>
+            <a:r>
+              <a:rPr lang="en-US" dirty="0" smtClean="0"/>
+              <a:t>ASRC Federal Proprietary </a:t>
+            </a:r>
+            <a:endParaRPr lang="en-US" dirty="0"/>
+          </a:p>
+        </p:txBody>
+      </p:sp>
+      <p:sp>
+        <p:nvSpPr>
+          <p:cNvPr id="7" name="Slide Number Placeholder 5"/>
+          <p:cNvSpPr>
+            <a:spLocks noGrp="1"/>
+          </p:cNvSpPr>
+          <p:nvPr>
+            <p:ph type="sldNum" sz="quarter" idx="4"/>
+          </p:nvPr>
+        </p:nvSpPr>
+        <p:spPr>
+          <a:prstGeom prst="rect">
+            <a:avLst/>
+          </a:prstGeom>
+        </p:spPr>
+        <p:txBody>
+          <a:bodyPr/>
+          <a:lstStyle>
+            <a:lvl1pPr algn="r">
+              <a:defRPr sz="800">
+                <a:solidFill>
+                  <a:schemeClr val="bg1"/>
+                </a:solidFill>
+              </a:defRPr>
+            </a:lvl1pPr>
+          </a:lstStyle>
+          <a:p>
+            <a:fld id="{FA208228-D976-49C2-9EFF-6CF8326E3D0F}" type="slidenum">
+              <a:rPr lang="en-US" smtClean="0"/>
+              <a:pPr/>
+              <a:t>7</a:t>
+            </a:fld>
+            <a:endParaRPr lang="en-US" dirty="0"/>
+          </a:p>
+        </p:txBody>
+      </p:sp>
+      <p:sp>
+        <p:nvSpPr>
+          <p:cNvPr id="8" name="Date Placeholder 3"/>
+          <p:cNvSpPr>
+            <a:spLocks noGrp="1"/>
+          </p:cNvSpPr>
+          <p:nvPr>
+            <p:ph type="dt" sz="half" idx="2"/>
+          </p:nvPr>
+        </p:nvSpPr>
+        <p:spPr>
+          <a:prstGeom prst="rect">
+            <a:avLst/>
+          </a:prstGeom>
+        </p:spPr>
+        <p:txBody>
+          <a:bodyPr/>
+          <a:lstStyle>
+            <a:lvl1pPr>
+              <a:defRPr sz="900" b="1">
+                <a:solidFill>
+                  <a:schemeClr val="bg1"/>
+                </a:solidFill>
+              </a:defRPr>
+            </a:lvl1pPr>
+          </a:lstStyle>
+          <a:p>
+            <a:r>
+              <a:rPr lang="en-US" sz="1000" dirty="0" smtClean="0">
+                <a:latin typeface="Trebuchet MS" pitchFamily="34" charset="0"/>
+              </a:rPr>
+              <a:t>Customer-Focused. Operationally Excellent.</a:t>
+            </a:r>
+            <a:endParaRPr lang="en-US" sz="1000" dirty="0">
+              <a:latin typeface="Trebuchet MS" pitchFamily="34" charset="0"/>
+            </a:endParaRPr>
+          </a:p>
+        </p:txBody>
+      </p:sp>
+    </p:spTree>
+    <p:extLst>
+      <p:ext uri="{BB962C8B-B14F-4D97-AF65-F5344CB8AC3E}">
+        <p14:creationId xmlns:p14="http://schemas.microsoft.com/office/powerpoint/2010/main" val="3235114099"/>
+      </p:ext>
+    </p:extLst>
+  </p:cSld>
+  <p:clrMapOvr>
+    <a:masterClrMapping/>
+  </p:clrMapOvr>
+  <p:timing>
+    <p:tnLst>
+      <p:par>
+        <p:cTn xmlns:p14="http://schemas.microsoft.com/office/powerpoint/2010/main" id="1" dur="indefinite" restart="never" nodeType="tmRoot"/>
+      </p:par>
+    </p:tnLst>
+  </p:timing>
+</p:sld>
+</file>
+
+<file path=ppt/slides/slide8.xml><?xml version="1.0" encoding="utf-8"?>
+<p:sld xmlns:a="http://schemas.openxmlformats.org/drawingml/2006/main" xmlns:r="http://schemas.openxmlformats.org/officeDocument/2006/relationships" xmlns:p="http://schemas.openxmlformats.org/presentationml/2006/main">
+  <p:cSld>
+    <p:spTree>
+      <p:nvGrpSpPr>
+        <p:cNvPr id="1" name=""/>
+        <p:cNvGrpSpPr/>
+        <p:nvPr/>
+      </p:nvGrpSpPr>
+      <p:grpSpPr>
+        <a:xfrm>
+          <a:off x="0" y="0"/>
+          <a:ext cx="0" cy="0"/>
+          <a:chOff x="0" y="0"/>
+          <a:chExt cx="0" cy="0"/>
+        </a:xfrm>
+      </p:grpSpPr>
+      <p:sp>
+        <p:nvSpPr>
+          <p:cNvPr id="30" name="Title 29"/>
+          <p:cNvSpPr>
+            <a:spLocks noGrp="1"/>
+          </p:cNvSpPr>
+          <p:nvPr>
+            <p:ph type="title"/>
+          </p:nvPr>
+        </p:nvSpPr>
+        <p:spPr/>
+        <p:txBody>
+          <a:bodyPr/>
+          <a:lstStyle/>
+          <a:p>
+            <a:r>
               <a:rPr lang="en-US" dirty="0" smtClean="0"/>
               <a:t>Demo</a:t>
             </a:r>
@@ -5865,7 +6222,7 @@
             <a:fld id="{FA208228-D976-49C2-9EFF-6CF8326E3D0F}" type="slidenum">
               <a:rPr lang="en-US" smtClean="0"/>
               <a:pPr/>
-              <a:t>7</a:t>
+              <a:t>8</a:t>
             </a:fld>
             <a:endParaRPr lang="en-US" dirty="0"/>
           </a:p>

--- a/GoogleEarth/Google Earth Initiative.pptx
+++ b/GoogleEarth/Google Earth Initiative.pptx
@@ -4332,8 +4332,13 @@
             </a:pPr>
             <a:r>
               <a:rPr lang="en-US" dirty="0" smtClean="0"/>
-              <a:t>KML support in API</a:t>
-            </a:r>
+              <a:t>KML </a:t>
+            </a:r>
+            <a:r>
+              <a:rPr lang="en-US" dirty="0" smtClean="0"/>
+              <a:t>support</a:t>
+            </a:r>
+            <a:endParaRPr lang="en-US" dirty="0" smtClean="0"/>
           </a:p>
           <a:p>
             <a:pPr>
@@ -4393,11 +4398,7 @@
             </a:pPr>
             <a:r>
               <a:rPr lang="en-US" dirty="0" smtClean="0"/>
-              <a:t>API functionality, map </a:t>
-            </a:r>
-            <a:r>
-              <a:rPr lang="en-US" dirty="0" smtClean="0"/>
-              <a:t>tiles, external KML data</a:t>
+              <a:t>API functionality, map tiles, external KML data</a:t>
             </a:r>
           </a:p>
           <a:p>
@@ -4427,13 +4428,8 @@
             </a:pPr>
             <a:r>
               <a:rPr lang="en-US" dirty="0" smtClean="0"/>
-              <a:t>Free version has transaction </a:t>
-            </a:r>
-            <a:r>
-              <a:rPr lang="en-US" dirty="0" smtClean="0"/>
-              <a:t>limits for certain functionality (e.g. geocoding)</a:t>
-            </a:r>
-            <a:endParaRPr lang="en-US" dirty="0" smtClean="0"/>
+              <a:t>Free version has transaction limits for certain functionality (e.g. geocoding)</a:t>
+            </a:r>
           </a:p>
           <a:p>
             <a:pPr>
@@ -4442,19 +4438,7 @@
             </a:pPr>
             <a:r>
               <a:rPr lang="en-US" dirty="0" smtClean="0"/>
-              <a:t>Google Earth Pro </a:t>
-            </a:r>
-            <a:r>
-              <a:rPr lang="en-US" dirty="0" smtClean="0"/>
-              <a:t>license </a:t>
-            </a:r>
-            <a:r>
-              <a:rPr lang="en-US" dirty="0" smtClean="0"/>
-              <a:t>$400/</a:t>
-            </a:r>
-            <a:r>
-              <a:rPr lang="en-US" dirty="0" smtClean="0"/>
-              <a:t>year</a:t>
+              <a:t>Google Earth Pro license $400/year</a:t>
             </a:r>
           </a:p>
           <a:p>
@@ -4464,7 +4448,7 @@
             </a:pPr>
             <a:r>
               <a:rPr lang="en-US" dirty="0" smtClean="0"/>
-              <a:t>Less transaction limits</a:t>
+              <a:t> Increased transactions</a:t>
             </a:r>
             <a:endParaRPr lang="en-US" dirty="0" smtClean="0"/>
           </a:p>
@@ -4770,8 +4754,8 @@
         </p:nvSpPr>
         <p:spPr>
           <a:xfrm>
-            <a:off x="824885" y="2057400"/>
-            <a:ext cx="2185214" cy="369332"/>
+            <a:off x="914400" y="1981200"/>
+            <a:ext cx="1851789" cy="646331"/>
           </a:xfrm>
           <a:prstGeom prst="rect">
             <a:avLst/>
@@ -4786,8 +4770,23 @@
           <a:p>
             <a:r>
               <a:rPr lang="en-US" dirty="0" smtClean="0"/>
-              <a:t>HTML/JavaScript/CSS</a:t>
-            </a:r>
+              <a:t>HTML/JavaScript</a:t>
+            </a:r>
+            <a:r>
+              <a:rPr lang="en-US" dirty="0" smtClean="0"/>
+              <a:t>/</a:t>
+            </a:r>
+          </a:p>
+          <a:p>
+            <a:r>
+              <a:rPr lang="en-US" dirty="0" smtClean="0"/>
+              <a:t>jQuery</a:t>
+            </a:r>
+            <a:r>
+              <a:rPr lang="en-US" dirty="0" smtClean="0"/>
+              <a:t>/CSS</a:t>
+            </a:r>
+            <a:endParaRPr lang="en-US" dirty="0" smtClean="0"/>
           </a:p>
         </p:txBody>
       </p:sp>
@@ -4924,7 +4923,11 @@
           <a:p>
             <a:r>
               <a:rPr lang="en-US" dirty="0" smtClean="0"/>
-              <a:t>Ajax/JSON</a:t>
+              <a:t>Ajax/</a:t>
+            </a:r>
+            <a:r>
+              <a:rPr lang="en-US" dirty="0" smtClean="0"/>
+              <a:t>JSON</a:t>
             </a:r>
           </a:p>
         </p:txBody>
@@ -5060,7 +5063,6 @@
               <a:rPr lang="en-US" dirty="0" smtClean="0"/>
               <a:t>PHP/JSON</a:t>
             </a:r>
-            <a:endParaRPr lang="en-US" dirty="0" smtClean="0"/>
           </a:p>
         </p:txBody>
       </p:sp>
@@ -5177,11 +5179,7 @@
           <a:p>
             <a:r>
               <a:rPr lang="en-US" dirty="0" smtClean="0"/>
-              <a:t>Prototype </a:t>
-            </a:r>
-            <a:r>
-              <a:rPr lang="en-US" dirty="0" smtClean="0"/>
-              <a:t>Code</a:t>
+              <a:t>Prototype Code</a:t>
             </a:r>
             <a:endParaRPr lang="en-US" dirty="0"/>
           </a:p>
@@ -5225,7 +5223,11 @@
             </a:pPr>
             <a:r>
               <a:rPr lang="en-US" dirty="0" smtClean="0"/>
-              <a:t>52 html files</a:t>
+              <a:t>55 </a:t>
+            </a:r>
+            <a:r>
+              <a:rPr lang="en-US" dirty="0" smtClean="0"/>
+              <a:t>html files</a:t>
             </a:r>
           </a:p>
           <a:p>
@@ -5235,15 +5237,15 @@
             </a:pPr>
             <a:r>
               <a:rPr lang="en-US" dirty="0" smtClean="0"/>
-              <a:t>39 </a:t>
-            </a:r>
-            <a:r>
-              <a:rPr lang="en-US" dirty="0" smtClean="0"/>
-              <a:t>php</a:t>
-            </a:r>
-            <a:r>
-              <a:rPr lang="en-US" dirty="0" smtClean="0"/>
-              <a:t> files</a:t>
+              <a:t>42</a:t>
+            </a:r>
+            <a:r>
+              <a:rPr lang="en-US" dirty="0" smtClean="0"/>
+              <a:t> </a:t>
+            </a:r>
+            <a:r>
+              <a:rPr lang="en-US" dirty="0" smtClean="0"/>
+              <a:t>php files</a:t>
             </a:r>
           </a:p>
           <a:p>
@@ -5252,16 +5254,16 @@
               <a:buChar char="•"/>
             </a:pPr>
             <a:r>
-              <a:rPr lang="en-US" dirty="0" smtClean="0"/>
-              <a:t>4 </a:t>
-            </a:r>
-            <a:r>
-              <a:rPr lang="en-US" dirty="0" smtClean="0"/>
-              <a:t>css</a:t>
-            </a:r>
-            <a:r>
-              <a:rPr lang="en-US" dirty="0" smtClean="0"/>
-              <a:t> files</a:t>
+              <a:rPr lang="en-US" dirty="0"/>
+              <a:t>2</a:t>
+            </a:r>
+            <a:r>
+              <a:rPr lang="en-US" dirty="0" smtClean="0"/>
+              <a:t> </a:t>
+            </a:r>
+            <a:r>
+              <a:rPr lang="en-US" dirty="0" smtClean="0"/>
+              <a:t>css files</a:t>
             </a:r>
           </a:p>
           <a:p>
@@ -5275,23 +5277,7 @@
             </a:r>
             <a:r>
               <a:rPr lang="en-US" dirty="0"/>
-              <a:t>https://</a:t>
-            </a:r>
-            <a:r>
-              <a:rPr lang="en-US" dirty="0"/>
-              <a:t>github.com</a:t>
-            </a:r>
-            <a:r>
-              <a:rPr lang="en-US" dirty="0"/>
-              <a:t>/</a:t>
-            </a:r>
-            <a:r>
-              <a:rPr lang="en-US" dirty="0"/>
-              <a:t>MissionSE</a:t>
-            </a:r>
-            <a:r>
-              <a:rPr lang="en-US" dirty="0"/>
-              <a:t>/Initiatives</a:t>
+              <a:t>https://github.com/MissionSE/Initiatives</a:t>
             </a:r>
             <a:endParaRPr lang="en-US" dirty="0" smtClean="0"/>
           </a:p>
@@ -5409,11 +5395,7 @@
             <a:pPr marL="0" indent="0"/>
             <a:r>
               <a:rPr lang="en-US" dirty="0" smtClean="0"/>
-              <a:t>View </a:t>
-            </a:r>
-            <a:r>
-              <a:rPr lang="en-US" dirty="0" smtClean="0"/>
-              <a:t>Control</a:t>
+              <a:t>View Control</a:t>
             </a:r>
           </a:p>
           <a:p>
@@ -5728,7 +5710,7 @@
         <p:spPr/>
         <p:txBody>
           <a:bodyPr>
-            <a:normAutofit fontScale="85000" lnSpcReduction="20000"/>
+            <a:normAutofit fontScale="77500" lnSpcReduction="20000"/>
           </a:bodyPr>
           <a:lstStyle/>
           <a:p>
@@ -5768,11 +5750,7 @@
             </a:pPr>
             <a:r>
               <a:rPr lang="en-US" dirty="0" smtClean="0"/>
-              <a:t>Image files dynamically requested from </a:t>
-            </a:r>
-            <a:r>
-              <a:rPr lang="en-US" dirty="0" smtClean="0"/>
-              <a:t>website</a:t>
+              <a:t>Image files dynamically requested from website</a:t>
             </a:r>
           </a:p>
           <a:p>
@@ -5782,21 +5760,8 @@
             </a:pPr>
             <a:r>
               <a:rPr lang="en-US" dirty="0"/>
-              <a:t>http://</a:t>
-            </a:r>
-            <a:r>
-              <a:rPr lang="en-US" dirty="0"/>
-              <a:t>dev.bridgeborn.com</a:t>
-            </a:r>
-            <a:r>
-              <a:rPr lang="en-US" dirty="0"/>
-              <a:t>/</a:t>
-            </a:r>
-            <a:r>
-              <a:rPr lang="en-US" dirty="0"/>
-              <a:t>symbology</a:t>
-            </a:r>
-            <a:endParaRPr lang="en-US" dirty="0"/>
+              <a:t>http://dev.bridgeborn.com/symbology</a:t>
+            </a:r>
           </a:p>
           <a:p>
             <a:pPr lvl="1">
@@ -5817,7 +5782,6 @@
               <a:rPr lang="en-US" dirty="0" smtClean="0"/>
               <a:t>Simulator</a:t>
             </a:r>
-            <a:endParaRPr lang="en-US" dirty="0" smtClean="0"/>
           </a:p>
           <a:p>
             <a:pPr lvl="1">
@@ -5838,7 +5802,6 @@
               <a:rPr lang="en-US" dirty="0" smtClean="0"/>
               <a:t>Tags</a:t>
             </a:r>
-            <a:endParaRPr lang="en-US" dirty="0" smtClean="0"/>
           </a:p>
           <a:p>
             <a:pPr lvl="1">
@@ -5847,11 +5810,7 @@
             </a:pPr>
             <a:r>
               <a:rPr lang="en-US" dirty="0" smtClean="0"/>
-              <a:t>Filter </a:t>
-            </a:r>
-            <a:r>
-              <a:rPr lang="en-US" dirty="0" smtClean="0"/>
-              <a:t>(category and id)</a:t>
+              <a:t>Filter (category and id)</a:t>
             </a:r>
           </a:p>
           <a:p>
@@ -5909,11 +5868,7 @@
             </a:pPr>
             <a:r>
               <a:rPr lang="en-US" dirty="0" smtClean="0"/>
-              <a:t>View tour created in standalone </a:t>
-            </a:r>
-            <a:r>
-              <a:rPr lang="en-US" dirty="0" smtClean="0"/>
-              <a:t>application</a:t>
+              <a:t>View tour created in standalone application</a:t>
             </a:r>
           </a:p>
           <a:p>
@@ -5933,23 +5888,21 @@
             </a:pPr>
             <a:r>
               <a:rPr lang="en-US" dirty="0" smtClean="0"/>
-              <a:t>Save </a:t>
-            </a:r>
-            <a:r>
-              <a:rPr lang="en-US" dirty="0" smtClean="0"/>
-              <a:t>lat</a:t>
-            </a:r>
-            <a:r>
-              <a:rPr lang="en-US" dirty="0" smtClean="0"/>
-              <a:t>/</a:t>
-            </a:r>
-            <a:r>
-              <a:rPr lang="en-US" dirty="0" smtClean="0"/>
-              <a:t>lon</a:t>
-            </a:r>
-            <a:r>
-              <a:rPr lang="en-US" dirty="0" smtClean="0"/>
-              <a:t>, range, camera tilt of selected locations for playback via KML</a:t>
+              <a:t>Save lat/lon, range, camera tilt of selected locations for playback via </a:t>
+            </a:r>
+            <a:r>
+              <a:rPr lang="en-US" dirty="0" smtClean="0"/>
+              <a:t>KML</a:t>
+            </a:r>
+          </a:p>
+          <a:p>
+            <a:pPr>
+              <a:buFont typeface="Arial"/>
+              <a:buChar char="•"/>
+            </a:pPr>
+            <a:r>
+              <a:rPr lang="en-US" dirty="0" smtClean="0"/>
+              <a:t>Add/Delete operator entered avoidance areas</a:t>
             </a:r>
             <a:endParaRPr lang="en-US" dirty="0"/>
           </a:p>

--- a/GoogleEarth/Google Earth Initiative.pptx
+++ b/GoogleEarth/Google Earth Initiative.pptx
@@ -4332,13 +4332,8 @@
             </a:pPr>
             <a:r>
               <a:rPr lang="en-US" dirty="0" smtClean="0"/>
-              <a:t>KML </a:t>
-            </a:r>
-            <a:r>
-              <a:rPr lang="en-US" dirty="0" smtClean="0"/>
-              <a:t>support</a:t>
-            </a:r>
-            <a:endParaRPr lang="en-US" dirty="0" smtClean="0"/>
+              <a:t>KML support</a:t>
+            </a:r>
           </a:p>
           <a:p>
             <a:pPr>
@@ -4450,7 +4445,6 @@
               <a:rPr lang="en-US" dirty="0" smtClean="0"/>
               <a:t> Increased transactions</a:t>
             </a:r>
-            <a:endParaRPr lang="en-US" dirty="0" smtClean="0"/>
           </a:p>
           <a:p>
             <a:pPr>
@@ -4770,23 +4764,14 @@
           <a:p>
             <a:r>
               <a:rPr lang="en-US" dirty="0" smtClean="0"/>
-              <a:t>HTML/JavaScript</a:t>
-            </a:r>
-            <a:r>
-              <a:rPr lang="en-US" dirty="0" smtClean="0"/>
-              <a:t>/</a:t>
-            </a:r>
-          </a:p>
-          <a:p>
-            <a:r>
-              <a:rPr lang="en-US" dirty="0" smtClean="0"/>
-              <a:t>jQuery</a:t>
-            </a:r>
-            <a:r>
-              <a:rPr lang="en-US" dirty="0" smtClean="0"/>
-              <a:t>/CSS</a:t>
-            </a:r>
-            <a:endParaRPr lang="en-US" dirty="0" smtClean="0"/>
+              <a:t>HTML/JavaScript/</a:t>
+            </a:r>
+          </a:p>
+          <a:p>
+            <a:r>
+              <a:rPr lang="en-US" dirty="0" smtClean="0"/>
+              <a:t>jQuery/CSS</a:t>
+            </a:r>
           </a:p>
         </p:txBody>
       </p:sp>
@@ -4923,11 +4908,7 @@
           <a:p>
             <a:r>
               <a:rPr lang="en-US" dirty="0" smtClean="0"/>
-              <a:t>Ajax/</a:t>
-            </a:r>
-            <a:r>
-              <a:rPr lang="en-US" dirty="0" smtClean="0"/>
-              <a:t>JSON</a:t>
+              <a:t>Ajax/JSON</a:t>
             </a:r>
           </a:p>
         </p:txBody>
@@ -5046,7 +5027,7 @@
         <p:spPr>
           <a:xfrm>
             <a:off x="5415561" y="3352800"/>
-            <a:ext cx="1137639" cy="369332"/>
+            <a:ext cx="1226793" cy="646331"/>
           </a:xfrm>
           <a:prstGeom prst="rect">
             <a:avLst/>
@@ -5061,8 +5042,19 @@
           <a:p>
             <a:r>
               <a:rPr lang="en-US" dirty="0" smtClean="0"/>
-              <a:t>PHP/JSON</a:t>
-            </a:r>
+              <a:t>PHP/</a:t>
+            </a:r>
+            <a:r>
+              <a:rPr lang="en-US" dirty="0" smtClean="0"/>
+              <a:t>JSON/</a:t>
+            </a:r>
+          </a:p>
+          <a:p>
+            <a:r>
+              <a:rPr lang="en-US" dirty="0" smtClean="0"/>
+              <a:t>KML</a:t>
+            </a:r>
+            <a:endParaRPr lang="en-US" dirty="0" smtClean="0"/>
           </a:p>
         </p:txBody>
       </p:sp>
@@ -5223,11 +5215,7 @@
             </a:pPr>
             <a:r>
               <a:rPr lang="en-US" dirty="0" smtClean="0"/>
-              <a:t>55 </a:t>
-            </a:r>
-            <a:r>
-              <a:rPr lang="en-US" dirty="0" smtClean="0"/>
-              <a:t>html files</a:t>
+              <a:t>55 html files</a:t>
             </a:r>
           </a:p>
           <a:p>
@@ -5237,15 +5225,7 @@
             </a:pPr>
             <a:r>
               <a:rPr lang="en-US" dirty="0" smtClean="0"/>
-              <a:t>42</a:t>
-            </a:r>
-            <a:r>
-              <a:rPr lang="en-US" dirty="0" smtClean="0"/>
-              <a:t> </a:t>
-            </a:r>
-            <a:r>
-              <a:rPr lang="en-US" dirty="0" smtClean="0"/>
-              <a:t>php files</a:t>
+              <a:t>42 php files</a:t>
             </a:r>
           </a:p>
           <a:p>
@@ -5259,11 +5239,7 @@
             </a:r>
             <a:r>
               <a:rPr lang="en-US" dirty="0" smtClean="0"/>
-              <a:t> </a:t>
-            </a:r>
-            <a:r>
-              <a:rPr lang="en-US" dirty="0" smtClean="0"/>
-              <a:t>css files</a:t>
+              <a:t> css files</a:t>
             </a:r>
           </a:p>
           <a:p>
@@ -5888,11 +5864,7 @@
             </a:pPr>
             <a:r>
               <a:rPr lang="en-US" dirty="0" smtClean="0"/>
-              <a:t>Save lat/lon, range, camera tilt of selected locations for playback via </a:t>
-            </a:r>
-            <a:r>
-              <a:rPr lang="en-US" dirty="0" smtClean="0"/>
-              <a:t>KML</a:t>
+              <a:t>Save lat/lon, range, camera tilt of selected locations for playback via KML</a:t>
             </a:r>
           </a:p>
           <a:p>
